--- a/figures/opencl.pptx
+++ b/figures/opencl.pptx
@@ -259,7 +259,7 @@
           <a:p>
             <a:fld id="{44C72C62-559A-D240-82B9-BD05D6005AD3}" type="datetimeFigureOut">
               <a:rPr kumimoji="1" lang="zh-CN" altLang="en-US" smtClean="0"/>
-              <a:t>2019/5/1</a:t>
+              <a:t>2019/5/17</a:t>
             </a:fld>
             <a:endParaRPr kumimoji="1" lang="zh-CN" altLang="en-US"/>
           </a:p>
@@ -432,7 +432,7 @@
           <a:p>
             <a:fld id="{44C72C62-559A-D240-82B9-BD05D6005AD3}" type="datetimeFigureOut">
               <a:rPr kumimoji="1" lang="zh-CN" altLang="en-US" smtClean="0"/>
-              <a:t>2019/5/1</a:t>
+              <a:t>2019/5/17</a:t>
             </a:fld>
             <a:endParaRPr kumimoji="1" lang="zh-CN" altLang="en-US"/>
           </a:p>
@@ -615,7 +615,7 @@
           <a:p>
             <a:fld id="{44C72C62-559A-D240-82B9-BD05D6005AD3}" type="datetimeFigureOut">
               <a:rPr kumimoji="1" lang="zh-CN" altLang="en-US" smtClean="0"/>
-              <a:t>2019/5/1</a:t>
+              <a:t>2019/5/17</a:t>
             </a:fld>
             <a:endParaRPr kumimoji="1" lang="zh-CN" altLang="en-US"/>
           </a:p>
@@ -788,7 +788,7 @@
           <a:p>
             <a:fld id="{44C72C62-559A-D240-82B9-BD05D6005AD3}" type="datetimeFigureOut">
               <a:rPr kumimoji="1" lang="zh-CN" altLang="en-US" smtClean="0"/>
-              <a:t>2019/5/1</a:t>
+              <a:t>2019/5/17</a:t>
             </a:fld>
             <a:endParaRPr kumimoji="1" lang="zh-CN" altLang="en-US"/>
           </a:p>
@@ -1066,7 +1066,7 @@
           <a:p>
             <a:fld id="{44C72C62-559A-D240-82B9-BD05D6005AD3}" type="datetimeFigureOut">
               <a:rPr kumimoji="1" lang="zh-CN" altLang="en-US" smtClean="0"/>
-              <a:t>2019/5/1</a:t>
+              <a:t>2019/5/17</a:t>
             </a:fld>
             <a:endParaRPr kumimoji="1" lang="zh-CN" altLang="en-US"/>
           </a:p>
@@ -1281,7 +1281,7 @@
           <a:p>
             <a:fld id="{44C72C62-559A-D240-82B9-BD05D6005AD3}" type="datetimeFigureOut">
               <a:rPr kumimoji="1" lang="zh-CN" altLang="en-US" smtClean="0"/>
-              <a:t>2019/5/1</a:t>
+              <a:t>2019/5/17</a:t>
             </a:fld>
             <a:endParaRPr kumimoji="1" lang="zh-CN" altLang="en-US"/>
           </a:p>
@@ -1649,7 +1649,7 @@
           <a:p>
             <a:fld id="{44C72C62-559A-D240-82B9-BD05D6005AD3}" type="datetimeFigureOut">
               <a:rPr kumimoji="1" lang="zh-CN" altLang="en-US" smtClean="0"/>
-              <a:t>2019/5/1</a:t>
+              <a:t>2019/5/17</a:t>
             </a:fld>
             <a:endParaRPr kumimoji="1" lang="zh-CN" altLang="en-US"/>
           </a:p>
@@ -1790,7 +1790,7 @@
           <a:p>
             <a:fld id="{44C72C62-559A-D240-82B9-BD05D6005AD3}" type="datetimeFigureOut">
               <a:rPr kumimoji="1" lang="zh-CN" altLang="en-US" smtClean="0"/>
-              <a:t>2019/5/1</a:t>
+              <a:t>2019/5/17</a:t>
             </a:fld>
             <a:endParaRPr kumimoji="1" lang="zh-CN" altLang="en-US"/>
           </a:p>
@@ -1903,7 +1903,7 @@
           <a:p>
             <a:fld id="{44C72C62-559A-D240-82B9-BD05D6005AD3}" type="datetimeFigureOut">
               <a:rPr kumimoji="1" lang="zh-CN" altLang="en-US" smtClean="0"/>
-              <a:t>2019/5/1</a:t>
+              <a:t>2019/5/17</a:t>
             </a:fld>
             <a:endParaRPr kumimoji="1" lang="zh-CN" altLang="en-US"/>
           </a:p>
@@ -2192,7 +2192,7 @@
           <a:p>
             <a:fld id="{44C72C62-559A-D240-82B9-BD05D6005AD3}" type="datetimeFigureOut">
               <a:rPr kumimoji="1" lang="zh-CN" altLang="en-US" smtClean="0"/>
-              <a:t>2019/5/1</a:t>
+              <a:t>2019/5/17</a:t>
             </a:fld>
             <a:endParaRPr kumimoji="1" lang="zh-CN" altLang="en-US"/>
           </a:p>
@@ -2483,7 +2483,7 @@
           <a:p>
             <a:fld id="{44C72C62-559A-D240-82B9-BD05D6005AD3}" type="datetimeFigureOut">
               <a:rPr kumimoji="1" lang="zh-CN" altLang="en-US" smtClean="0"/>
-              <a:t>2019/5/1</a:t>
+              <a:t>2019/5/17</a:t>
             </a:fld>
             <a:endParaRPr kumimoji="1" lang="zh-CN" altLang="en-US"/>
           </a:p>
@@ -2699,7 +2699,7 @@
           <a:p>
             <a:fld id="{44C72C62-559A-D240-82B9-BD05D6005AD3}" type="datetimeFigureOut">
               <a:rPr kumimoji="1" lang="zh-CN" altLang="en-US" smtClean="0"/>
-              <a:t>2019/5/1</a:t>
+              <a:t>2019/5/17</a:t>
             </a:fld>
             <a:endParaRPr kumimoji="1" lang="zh-CN" altLang="en-US"/>
           </a:p>
@@ -3137,7 +3137,7 @@
           <a:bodyPr/>
           <a:lstStyle/>
           <a:p>
-            <a:endParaRPr kumimoji="1" lang="zh-CN" altLang="en-US"/>
+            <a:endParaRPr kumimoji="1" lang="zh-CN" altLang="en-US" dirty="0"/>
           </a:p>
         </p:txBody>
       </p:sp>
@@ -5299,6 +5299,7 @@
             <a:solidFill>
               <a:schemeClr val="tx1"/>
             </a:solidFill>
+            <a:prstDash val="sysDot"/>
             <a:headEnd type="none"/>
             <a:tailEnd type="triangle"/>
           </a:ln>
@@ -5342,6 +5343,7 @@
             <a:solidFill>
               <a:schemeClr val="tx1"/>
             </a:solidFill>
+            <a:prstDash val="sysDot"/>
             <a:headEnd type="none"/>
             <a:tailEnd type="triangle"/>
           </a:ln>
@@ -5385,6 +5387,7 @@
             <a:solidFill>
               <a:schemeClr val="tx1"/>
             </a:solidFill>
+            <a:prstDash val="sysDot"/>
             <a:headEnd type="none"/>
             <a:tailEnd type="triangle"/>
           </a:ln>
@@ -5456,14 +5459,14 @@
           <a:p>
             <a:pPr algn="ctr"/>
             <a:r>
-              <a:rPr lang="zh-CN" altLang="en-US" dirty="0">
+              <a:rPr lang="zh-CN" altLang="en-US" sz="2400" dirty="0">
                 <a:solidFill>
                   <a:srgbClr val="061922"/>
                 </a:solidFill>
               </a:rPr>
               <a:t>板上共享内存</a:t>
             </a:r>
-            <a:endParaRPr lang="en-US" dirty="0">
+            <a:endParaRPr lang="en-US" sz="2400" dirty="0">
               <a:solidFill>
                 <a:srgbClr val="061922"/>
               </a:solidFill>
@@ -5575,13 +5578,14 @@
           </p:cNvPr>
           <p:cNvCxnSpPr>
             <a:cxnSpLocks/>
+            <a:stCxn id="32" idx="2"/>
           </p:cNvCxnSpPr>
           <p:nvPr/>
         </p:nvCxnSpPr>
         <p:spPr>
           <a:xfrm>
-            <a:off x="7227061" y="4272698"/>
-            <a:ext cx="0" cy="416219"/>
+            <a:off x="7162796" y="4252299"/>
+            <a:ext cx="0" cy="429403"/>
           </a:xfrm>
           <a:prstGeom prst="line">
             <a:avLst/>
@@ -5609,6 +5613,232 @@
           </a:fontRef>
         </p:style>
       </p:cxnSp>
+      <p:cxnSp>
+        <p:nvCxnSpPr>
+          <p:cNvPr id="54" name="Straight Connector 17">
+            <a:extLst>
+              <a:ext uri="{FF2B5EF4-FFF2-40B4-BE49-F238E27FC236}">
+                <a16:creationId xmlns:a16="http://schemas.microsoft.com/office/drawing/2014/main" id="{067F9D02-7E94-43D4-85A3-709D5CF1E0F4}"/>
+              </a:ext>
+            </a:extLst>
+          </p:cNvPr>
+          <p:cNvCxnSpPr>
+            <a:cxnSpLocks/>
+          </p:cNvCxnSpPr>
+          <p:nvPr/>
+        </p:nvCxnSpPr>
+        <p:spPr>
+          <a:xfrm>
+            <a:off x="2933434" y="5291302"/>
+            <a:ext cx="0" cy="436618"/>
+          </a:xfrm>
+          <a:prstGeom prst="line">
+            <a:avLst/>
+          </a:prstGeom>
+          <a:ln w="38100">
+            <a:solidFill>
+              <a:schemeClr val="tx1"/>
+            </a:solidFill>
+            <a:headEnd type="none"/>
+            <a:tailEnd type="none"/>
+          </a:ln>
+        </p:spPr>
+        <p:style>
+          <a:lnRef idx="1">
+            <a:schemeClr val="accent1"/>
+          </a:lnRef>
+          <a:fillRef idx="0">
+            <a:schemeClr val="accent1"/>
+          </a:fillRef>
+          <a:effectRef idx="0">
+            <a:schemeClr val="accent1"/>
+          </a:effectRef>
+          <a:fontRef idx="minor">
+            <a:schemeClr val="tx1"/>
+          </a:fontRef>
+        </p:style>
+      </p:cxnSp>
+      <p:sp>
+        <p:nvSpPr>
+          <p:cNvPr id="55" name="TextBox 106">
+            <a:extLst>
+              <a:ext uri="{FF2B5EF4-FFF2-40B4-BE49-F238E27FC236}">
+                <a16:creationId xmlns:a16="http://schemas.microsoft.com/office/drawing/2014/main" id="{99B0FBAE-6F12-4EB2-822B-430A60885B87}"/>
+              </a:ext>
+            </a:extLst>
+          </p:cNvPr>
+          <p:cNvSpPr txBox="1"/>
+          <p:nvPr/>
+        </p:nvSpPr>
+        <p:spPr>
+          <a:xfrm>
+            <a:off x="4854370" y="5684397"/>
+            <a:ext cx="1600438" cy="627864"/>
+          </a:xfrm>
+          <a:prstGeom prst="rect">
+            <a:avLst/>
+          </a:prstGeom>
+          <a:noFill/>
+        </p:spPr>
+        <p:txBody>
+          <a:bodyPr wrap="none" lIns="182880" tIns="146304" rIns="182880" bIns="146304" rtlCol="0">
+            <a:spAutoFit/>
+          </a:bodyPr>
+          <a:lstStyle/>
+          <a:p>
+            <a:pPr>
+              <a:lnSpc>
+                <a:spcPct val="90000"/>
+              </a:lnSpc>
+              <a:spcAft>
+                <a:spcPts val="600"/>
+              </a:spcAft>
+            </a:pPr>
+            <a:r>
+              <a:rPr lang="zh-CN" altLang="en-US" sz="2400" dirty="0">
+                <a:gradFill>
+                  <a:gsLst>
+                    <a:gs pos="2917">
+                      <a:schemeClr val="tx1"/>
+                    </a:gs>
+                    <a:gs pos="30000">
+                      <a:schemeClr val="tx1"/>
+                    </a:gs>
+                  </a:gsLst>
+                  <a:lin ang="5400000" scaled="0"/>
+                </a:gradFill>
+              </a:rPr>
+              <a:t>主机内存</a:t>
+            </a:r>
+            <a:endParaRPr lang="en-US" sz="2400" dirty="0">
+              <a:gradFill>
+                <a:gsLst>
+                  <a:gs pos="2917">
+                    <a:schemeClr val="tx1"/>
+                  </a:gs>
+                  <a:gs pos="30000">
+                    <a:schemeClr val="tx1"/>
+                  </a:gs>
+                </a:gsLst>
+                <a:lin ang="5400000" scaled="0"/>
+              </a:gradFill>
+            </a:endParaRPr>
+          </a:p>
+        </p:txBody>
+      </p:sp>
+      <p:cxnSp>
+        <p:nvCxnSpPr>
+          <p:cNvPr id="56" name="Straight Connector 17">
+            <a:extLst>
+              <a:ext uri="{FF2B5EF4-FFF2-40B4-BE49-F238E27FC236}">
+                <a16:creationId xmlns:a16="http://schemas.microsoft.com/office/drawing/2014/main" id="{EBAECFC2-677E-43A5-8BA1-8902C858B542}"/>
+              </a:ext>
+            </a:extLst>
+          </p:cNvPr>
+          <p:cNvCxnSpPr>
+            <a:cxnSpLocks/>
+          </p:cNvCxnSpPr>
+          <p:nvPr/>
+        </p:nvCxnSpPr>
+        <p:spPr>
+          <a:xfrm>
+            <a:off x="5675958" y="5291302"/>
+            <a:ext cx="0" cy="436618"/>
+          </a:xfrm>
+          <a:prstGeom prst="line">
+            <a:avLst/>
+          </a:prstGeom>
+          <a:ln w="38100">
+            <a:solidFill>
+              <a:schemeClr val="tx1"/>
+            </a:solidFill>
+            <a:headEnd type="none"/>
+            <a:tailEnd type="none"/>
+          </a:ln>
+        </p:spPr>
+        <p:style>
+          <a:lnRef idx="1">
+            <a:schemeClr val="accent1"/>
+          </a:lnRef>
+          <a:fillRef idx="0">
+            <a:schemeClr val="accent1"/>
+          </a:fillRef>
+          <a:effectRef idx="0">
+            <a:schemeClr val="accent1"/>
+          </a:effectRef>
+          <a:fontRef idx="minor">
+            <a:schemeClr val="tx1"/>
+          </a:fontRef>
+        </p:style>
+      </p:cxnSp>
+      <p:sp>
+        <p:nvSpPr>
+          <p:cNvPr id="57" name="TextBox 106">
+            <a:extLst>
+              <a:ext uri="{FF2B5EF4-FFF2-40B4-BE49-F238E27FC236}">
+                <a16:creationId xmlns:a16="http://schemas.microsoft.com/office/drawing/2014/main" id="{8917B99C-4944-4C05-8827-7C991A42434E}"/>
+              </a:ext>
+            </a:extLst>
+          </p:cNvPr>
+          <p:cNvSpPr txBox="1"/>
+          <p:nvPr/>
+        </p:nvSpPr>
+        <p:spPr>
+          <a:xfrm>
+            <a:off x="2440991" y="5684397"/>
+            <a:ext cx="984885" cy="627864"/>
+          </a:xfrm>
+          <a:prstGeom prst="rect">
+            <a:avLst/>
+          </a:prstGeom>
+          <a:noFill/>
+        </p:spPr>
+        <p:txBody>
+          <a:bodyPr wrap="none" lIns="182880" tIns="146304" rIns="182880" bIns="146304" rtlCol="0">
+            <a:spAutoFit/>
+          </a:bodyPr>
+          <a:lstStyle/>
+          <a:p>
+            <a:pPr>
+              <a:lnSpc>
+                <a:spcPct val="90000"/>
+              </a:lnSpc>
+              <a:spcAft>
+                <a:spcPts val="600"/>
+              </a:spcAft>
+            </a:pPr>
+            <a:r>
+              <a:rPr lang="zh-CN" altLang="en-US" sz="2400" dirty="0">
+                <a:gradFill>
+                  <a:gsLst>
+                    <a:gs pos="2917">
+                      <a:schemeClr val="tx1"/>
+                    </a:gs>
+                    <a:gs pos="30000">
+                      <a:schemeClr val="tx1"/>
+                    </a:gs>
+                  </a:gsLst>
+                  <a:lin ang="5400000" scaled="0"/>
+                </a:gradFill>
+              </a:rPr>
+              <a:t>网络</a:t>
+            </a:r>
+            <a:endParaRPr lang="en-US" sz="2400" dirty="0">
+              <a:gradFill>
+                <a:gsLst>
+                  <a:gs pos="2917">
+                    <a:schemeClr val="tx1"/>
+                  </a:gs>
+                  <a:gs pos="30000">
+                    <a:schemeClr val="tx1"/>
+                  </a:gs>
+                </a:gsLst>
+                <a:lin ang="5400000" scaled="0"/>
+              </a:gradFill>
+            </a:endParaRPr>
+          </a:p>
+        </p:txBody>
+      </p:sp>
     </p:spTree>
     <p:extLst>
       <p:ext uri="{BB962C8B-B14F-4D97-AF65-F5344CB8AC3E}">
